--- a/présentation.pptx
+++ b/présentation.pptx
@@ -119,6 +119,11 @@
       </a:defRPr>
     </a:lvl9pPr>
   </p:defaultTextStyle>
+  <p:extLst>
+    <p:ext uri="{EFAFB233-063F-42B5-8137-9DF3F51BA10A}">
+      <p15:sldGuideLst xmlns:p15="http://schemas.microsoft.com/office/powerpoint/2012/main"/>
+    </p:ext>
+  </p:extLst>
 </p:presentation>
 </file>
 
@@ -204,7 +209,7 @@
           <a:p>
             <a:fld id="{093474F8-91BE-4D8E-9639-09142C3365A3}" type="datetimeFigureOut">
               <a:rPr lang="fr-FR" smtClean="0"/>
-              <a:t>10/05/2022</a:t>
+              <a:t>11/05/2022</a:t>
             </a:fld>
             <a:endParaRPr lang="fr-FR"/>
           </a:p>
@@ -1651,7 +1656,7 @@
           <a:p>
             <a:fld id="{E2DB37B9-BF2F-467E-86AE-6A1EE481C4A6}" type="datetimeFigureOut">
               <a:rPr lang="fr-FR" smtClean="0"/>
-              <a:t>10/05/2022</a:t>
+              <a:t>11/05/2022</a:t>
             </a:fld>
             <a:endParaRPr lang="fr-FR"/>
           </a:p>
@@ -1849,7 +1854,7 @@
           <a:p>
             <a:fld id="{E2DB37B9-BF2F-467E-86AE-6A1EE481C4A6}" type="datetimeFigureOut">
               <a:rPr lang="fr-FR" smtClean="0"/>
-              <a:t>10/05/2022</a:t>
+              <a:t>11/05/2022</a:t>
             </a:fld>
             <a:endParaRPr lang="fr-FR"/>
           </a:p>
@@ -2057,7 +2062,7 @@
           <a:p>
             <a:fld id="{E2DB37B9-BF2F-467E-86AE-6A1EE481C4A6}" type="datetimeFigureOut">
               <a:rPr lang="fr-FR" smtClean="0"/>
-              <a:t>10/05/2022</a:t>
+              <a:t>11/05/2022</a:t>
             </a:fld>
             <a:endParaRPr lang="fr-FR"/>
           </a:p>
@@ -2255,7 +2260,7 @@
           <a:p>
             <a:fld id="{E2DB37B9-BF2F-467E-86AE-6A1EE481C4A6}" type="datetimeFigureOut">
               <a:rPr lang="fr-FR" smtClean="0"/>
-              <a:t>10/05/2022</a:t>
+              <a:t>11/05/2022</a:t>
             </a:fld>
             <a:endParaRPr lang="fr-FR"/>
           </a:p>
@@ -2530,7 +2535,7 @@
           <a:p>
             <a:fld id="{E2DB37B9-BF2F-467E-86AE-6A1EE481C4A6}" type="datetimeFigureOut">
               <a:rPr lang="fr-FR" smtClean="0"/>
-              <a:t>10/05/2022</a:t>
+              <a:t>11/05/2022</a:t>
             </a:fld>
             <a:endParaRPr lang="fr-FR"/>
           </a:p>
@@ -2795,7 +2800,7 @@
           <a:p>
             <a:fld id="{E2DB37B9-BF2F-467E-86AE-6A1EE481C4A6}" type="datetimeFigureOut">
               <a:rPr lang="fr-FR" smtClean="0"/>
-              <a:t>10/05/2022</a:t>
+              <a:t>11/05/2022</a:t>
             </a:fld>
             <a:endParaRPr lang="fr-FR"/>
           </a:p>
@@ -3207,7 +3212,7 @@
           <a:p>
             <a:fld id="{E2DB37B9-BF2F-467E-86AE-6A1EE481C4A6}" type="datetimeFigureOut">
               <a:rPr lang="fr-FR" smtClean="0"/>
-              <a:t>10/05/2022</a:t>
+              <a:t>11/05/2022</a:t>
             </a:fld>
             <a:endParaRPr lang="fr-FR"/>
           </a:p>
@@ -3348,7 +3353,7 @@
           <a:p>
             <a:fld id="{E2DB37B9-BF2F-467E-86AE-6A1EE481C4A6}" type="datetimeFigureOut">
               <a:rPr lang="fr-FR" smtClean="0"/>
-              <a:t>10/05/2022</a:t>
+              <a:t>11/05/2022</a:t>
             </a:fld>
             <a:endParaRPr lang="fr-FR"/>
           </a:p>
@@ -3461,7 +3466,7 @@
           <a:p>
             <a:fld id="{E2DB37B9-BF2F-467E-86AE-6A1EE481C4A6}" type="datetimeFigureOut">
               <a:rPr lang="fr-FR" smtClean="0"/>
-              <a:t>10/05/2022</a:t>
+              <a:t>11/05/2022</a:t>
             </a:fld>
             <a:endParaRPr lang="fr-FR"/>
           </a:p>
@@ -3772,7 +3777,7 @@
           <a:p>
             <a:fld id="{E2DB37B9-BF2F-467E-86AE-6A1EE481C4A6}" type="datetimeFigureOut">
               <a:rPr lang="fr-FR" smtClean="0"/>
-              <a:t>10/05/2022</a:t>
+              <a:t>11/05/2022</a:t>
             </a:fld>
             <a:endParaRPr lang="fr-FR"/>
           </a:p>
@@ -4060,7 +4065,7 @@
           <a:p>
             <a:fld id="{E2DB37B9-BF2F-467E-86AE-6A1EE481C4A6}" type="datetimeFigureOut">
               <a:rPr lang="fr-FR" smtClean="0"/>
-              <a:t>10/05/2022</a:t>
+              <a:t>11/05/2022</a:t>
             </a:fld>
             <a:endParaRPr lang="fr-FR"/>
           </a:p>
@@ -4301,7 +4306,7 @@
           <a:p>
             <a:fld id="{E2DB37B9-BF2F-467E-86AE-6A1EE481C4A6}" type="datetimeFigureOut">
               <a:rPr lang="fr-FR" smtClean="0"/>
-              <a:t>10/05/2022</a:t>
+              <a:t>11/05/2022</a:t>
             </a:fld>
             <a:endParaRPr lang="fr-FR"/>
           </a:p>
@@ -5948,7 +5953,7 @@
         </p:blipFill>
         <p:spPr>
           <a:xfrm>
-            <a:off x="6198667" y="2760732"/>
+            <a:off x="3343275" y="1668779"/>
             <a:ext cx="5505450" cy="2000250"/>
           </a:xfrm>
           <a:prstGeom prst="rect">
@@ -6060,6 +6065,42 @@
           </a:p>
         </p:txBody>
       </p:sp>
+      <p:pic>
+        <p:nvPicPr>
+          <p:cNvPr id="13" name="Image 12" descr="Une image contenant table&#10;&#10;Description générée automatiquement">
+            <a:extLst>
+              <a:ext uri="{FF2B5EF4-FFF2-40B4-BE49-F238E27FC236}">
+                <a16:creationId xmlns:a16="http://schemas.microsoft.com/office/drawing/2014/main" id="{6F6E243A-DE6E-7AEE-A6E0-2908FD854289}"/>
+              </a:ext>
+            </a:extLst>
+          </p:cNvPr>
+          <p:cNvPicPr>
+            <a:picLocks noChangeAspect="1"/>
+          </p:cNvPicPr>
+          <p:nvPr/>
+        </p:nvPicPr>
+        <p:blipFill>
+          <a:blip r:embed="rId4">
+            <a:extLst>
+              <a:ext uri="{28A0092B-C50C-407E-A947-70E740481C1C}">
+                <a14:useLocalDpi xmlns:a14="http://schemas.microsoft.com/office/drawing/2010/main" val="0"/>
+              </a:ext>
+            </a:extLst>
+          </a:blip>
+          <a:stretch>
+            <a:fillRect/>
+          </a:stretch>
+        </p:blipFill>
+        <p:spPr>
+          <a:xfrm>
+            <a:off x="8229599" y="3726530"/>
+            <a:ext cx="3707156" cy="2947097"/>
+          </a:xfrm>
+          <a:prstGeom prst="rect">
+            <a:avLst/>
+          </a:prstGeom>
+        </p:spPr>
+      </p:pic>
     </p:spTree>
     <p:extLst>
       <p:ext uri="{BB962C8B-B14F-4D97-AF65-F5344CB8AC3E}">
